--- a/景碩ODS方案.pptx
+++ b/景碩ODS方案.pptx
@@ -258,7 +258,7 @@
       </p15:sldGuideLst>
     </p:ext>
     <p:ext uri="GoogleSlidesCustomDataVersion2">
-      <go:slidesCustomData xmlns:go="http://customooxmlschemas.google.com/" r:id="rId8" roundtripDataSignature="AMtx7mhdyifjuE4VbyCHMexJZM+xjSjc2g=="/>
+      <go:slidesCustomData xmlns:go="http://customooxmlschemas.google.com/" r:id="rId8" roundtripDataSignature="AMtx7mj1xXeogTmi9mbLFfkWyGyF+X89sw=="/>
     </p:ext>
   </p:extLst>
 </p:presentation>
@@ -1866,7 +1866,7 @@
   <p:cSld>
     <p:spTree>
       <p:nvGrpSpPr>
-        <p:cNvPr id="130" name="Shape 130"/>
+        <p:cNvPr id="131" name="Shape 131"/>
         <p:cNvGrpSpPr/>
         <p:nvPr/>
       </p:nvGrpSpPr>
@@ -1880,7 +1880,7 @@
       </p:grpSpPr>
       <p:sp>
         <p:nvSpPr>
-          <p:cNvPr id="131" name="Google Shape;131;g226b0e0c915_0_57:notes"/>
+          <p:cNvPr id="132" name="Google Shape;132;g226b0e0c915_0_57:notes"/>
           <p:cNvSpPr/>
           <p:nvPr>
             <p:ph idx="2" type="sldImg"/>
@@ -1925,7 +1925,7 @@
       </p:sp>
       <p:sp>
         <p:nvSpPr>
-          <p:cNvPr id="132" name="Google Shape;132;g226b0e0c915_0_57:notes"/>
+          <p:cNvPr id="133" name="Google Shape;133;g226b0e0c915_0_57:notes"/>
           <p:cNvSpPr txBox="1"/>
           <p:nvPr>
             <p:ph idx="1" type="body"/>
@@ -1972,7 +1972,7 @@
       </p:sp>
       <p:sp>
         <p:nvSpPr>
-          <p:cNvPr id="133" name="Google Shape;133;g226b0e0c915_0_57:notes"/>
+          <p:cNvPr id="134" name="Google Shape;134;g226b0e0c915_0_57:notes"/>
           <p:cNvSpPr txBox="1"/>
           <p:nvPr>
             <p:ph idx="12" type="sldNum"/>
@@ -15873,9 +15873,10 @@
               <a:buNone/>
             </a:pPr>
             <a:r>
-              <a:t/>
+              <a:rPr lang="zh-TW" sz="1800"/>
+              <a:t>Primary</a:t>
             </a:r>
-            <a:endParaRPr b="0" i="0" sz="1400" u="none" cap="none" strike="noStrike">
+            <a:endParaRPr b="0" i="0" sz="1800" u="none" cap="none" strike="noStrike">
               <a:solidFill>
                 <a:srgbClr val="000000"/>
               </a:solidFill>
@@ -17753,461 +17754,6 @@
         </p:nvSpPr>
         <p:spPr>
           <a:xfrm>
-            <a:off x="4502074" y="4252936"/>
-            <a:ext cx="2519532" cy="484920"/>
-          </a:xfrm>
-          <a:prstGeom prst="cloud">
-            <a:avLst/>
-          </a:prstGeom>
-          <a:solidFill>
-            <a:srgbClr val="CCFFFF"/>
-          </a:solidFill>
-          <a:ln cap="flat" cmpd="sng" w="9525">
-            <a:solidFill>
-              <a:schemeClr val="dk2"/>
-            </a:solidFill>
-            <a:prstDash val="solid"/>
-            <a:round/>
-            <a:headEnd len="sm" w="sm" type="none"/>
-            <a:tailEnd len="sm" w="sm" type="none"/>
-          </a:ln>
-        </p:spPr>
-        <p:txBody>
-          <a:bodyPr anchorCtr="0" anchor="ctr" bIns="91425" lIns="91425" spcFirstLastPara="1" rIns="91425" wrap="square" tIns="91425">
-            <a:noAutofit/>
-          </a:bodyPr>
-          <a:lstStyle/>
-          <a:p>
-            <a:pPr indent="0" lvl="0" marL="0" marR="0" rtl="0" algn="l">
-              <a:lnSpc>
-                <a:spcPct val="100000"/>
-              </a:lnSpc>
-              <a:spcBef>
-                <a:spcPts val="0"/>
-              </a:spcBef>
-              <a:spcAft>
-                <a:spcPts val="0"/>
-              </a:spcAft>
-              <a:buClr>
-                <a:srgbClr val="000000"/>
-              </a:buClr>
-              <a:buSzPts val="1800"/>
-              <a:buFont typeface="Arial"/>
-              <a:buNone/>
-            </a:pPr>
-            <a:r>
-              <a:rPr b="0" i="0" lang="zh-TW" sz="1800" u="none" cap="none" strike="noStrike">
-                <a:solidFill>
-                  <a:srgbClr val="000000"/>
-                </a:solidFill>
-                <a:latin typeface="Arial"/>
-                <a:ea typeface="Arial"/>
-                <a:cs typeface="Arial"/>
-                <a:sym typeface="Arial"/>
-              </a:rPr>
-              <a:t>         WAN</a:t>
-            </a:r>
-            <a:endParaRPr b="0" i="0" sz="1800" u="none" cap="none" strike="noStrike">
-              <a:solidFill>
-                <a:srgbClr val="000000"/>
-              </a:solidFill>
-              <a:latin typeface="Arial"/>
-              <a:ea typeface="Arial"/>
-              <a:cs typeface="Arial"/>
-              <a:sym typeface="Arial"/>
-            </a:endParaRPr>
-          </a:p>
-        </p:txBody>
-      </p:sp>
-      <p:sp>
-        <p:nvSpPr>
-          <p:cNvPr id="128" name="Google Shape;128;g226b0e0c915_0_0"/>
-          <p:cNvSpPr/>
-          <p:nvPr/>
-        </p:nvSpPr>
-        <p:spPr>
-          <a:xfrm>
-            <a:off x="660150" y="5357305"/>
-            <a:ext cx="10569837" cy="1149954"/>
-          </a:xfrm>
-          <a:custGeom>
-            <a:rect b="b" l="l" r="r" t="t"/>
-            <a:pathLst>
-              <a:path extrusionOk="0" fill="none" h="3026195" w="6874691">
-                <a:moveTo>
-                  <a:pt x="0" y="0"/>
-                </a:moveTo>
-                <a:cubicBezTo>
-                  <a:pt x="162580" y="-9497"/>
-                  <a:pt x="284513" y="-18322"/>
-                  <a:pt x="481228" y="0"/>
-                </a:cubicBezTo>
-                <a:cubicBezTo>
-                  <a:pt x="677943" y="18322"/>
-                  <a:pt x="889505" y="36373"/>
-                  <a:pt x="1237444" y="0"/>
-                </a:cubicBezTo>
-                <a:cubicBezTo>
-                  <a:pt x="1585383" y="-36373"/>
-                  <a:pt x="1731035" y="-24294"/>
-                  <a:pt x="1856167" y="0"/>
-                </a:cubicBezTo>
-                <a:cubicBezTo>
-                  <a:pt x="1981299" y="24294"/>
-                  <a:pt x="2365043" y="-32617"/>
-                  <a:pt x="2543636" y="0"/>
-                </a:cubicBezTo>
-                <a:cubicBezTo>
-                  <a:pt x="2722229" y="32617"/>
-                  <a:pt x="3065908" y="-4352"/>
-                  <a:pt x="3368599" y="0"/>
-                </a:cubicBezTo>
-                <a:cubicBezTo>
-                  <a:pt x="3671290" y="4352"/>
-                  <a:pt x="3806436" y="14720"/>
-                  <a:pt x="3918574" y="0"/>
-                </a:cubicBezTo>
-                <a:cubicBezTo>
-                  <a:pt x="4030712" y="-14720"/>
-                  <a:pt x="4485513" y="-8700"/>
-                  <a:pt x="4674790" y="0"/>
-                </a:cubicBezTo>
-                <a:cubicBezTo>
-                  <a:pt x="4864067" y="8700"/>
-                  <a:pt x="5046179" y="-16117"/>
-                  <a:pt x="5224765" y="0"/>
-                </a:cubicBezTo>
-                <a:cubicBezTo>
-                  <a:pt x="5403351" y="16117"/>
-                  <a:pt x="5719588" y="-22718"/>
-                  <a:pt x="5912234" y="0"/>
-                </a:cubicBezTo>
-                <a:cubicBezTo>
-                  <a:pt x="6104880" y="22718"/>
-                  <a:pt x="6429084" y="-40950"/>
-                  <a:pt x="6874691" y="0"/>
-                </a:cubicBezTo>
-                <a:cubicBezTo>
-                  <a:pt x="6849581" y="106936"/>
-                  <a:pt x="6862071" y="324289"/>
-                  <a:pt x="6874691" y="514453"/>
-                </a:cubicBezTo>
-                <a:cubicBezTo>
-                  <a:pt x="6887311" y="704617"/>
-                  <a:pt x="6865279" y="897983"/>
-                  <a:pt x="6874691" y="1180216"/>
-                </a:cubicBezTo>
-                <a:cubicBezTo>
-                  <a:pt x="6884103" y="1462449"/>
-                  <a:pt x="6871877" y="1521996"/>
-                  <a:pt x="6874691" y="1785455"/>
-                </a:cubicBezTo>
-                <a:cubicBezTo>
-                  <a:pt x="6877505" y="2048914"/>
-                  <a:pt x="6881512" y="2281336"/>
-                  <a:pt x="6874691" y="2451218"/>
-                </a:cubicBezTo>
-                <a:cubicBezTo>
-                  <a:pt x="6867870" y="2621100"/>
-                  <a:pt x="6878689" y="2884255"/>
-                  <a:pt x="6874691" y="3026195"/>
-                </a:cubicBezTo>
-                <a:cubicBezTo>
-                  <a:pt x="6587984" y="3023782"/>
-                  <a:pt x="6392482" y="3033469"/>
-                  <a:pt x="6255969" y="3026195"/>
-                </a:cubicBezTo>
-                <a:cubicBezTo>
-                  <a:pt x="6119456" y="3018921"/>
-                  <a:pt x="5810020" y="3044013"/>
-                  <a:pt x="5637247" y="3026195"/>
-                </a:cubicBezTo>
-                <a:cubicBezTo>
-                  <a:pt x="5464474" y="3008377"/>
-                  <a:pt x="5060107" y="3016924"/>
-                  <a:pt x="4881031" y="3026195"/>
-                </a:cubicBezTo>
-                <a:cubicBezTo>
-                  <a:pt x="4701955" y="3035466"/>
-                  <a:pt x="4453726" y="2994297"/>
-                  <a:pt x="4193562" y="3026195"/>
-                </a:cubicBezTo>
-                <a:cubicBezTo>
-                  <a:pt x="3933398" y="3058093"/>
-                  <a:pt x="3595392" y="3052047"/>
-                  <a:pt x="3368599" y="3026195"/>
-                </a:cubicBezTo>
-                <a:cubicBezTo>
-                  <a:pt x="3141806" y="3000343"/>
-                  <a:pt x="2858684" y="3030722"/>
-                  <a:pt x="2543636" y="3026195"/>
-                </a:cubicBezTo>
-                <a:cubicBezTo>
-                  <a:pt x="2228588" y="3021668"/>
-                  <a:pt x="2111758" y="3006301"/>
-                  <a:pt x="1787420" y="3026195"/>
-                </a:cubicBezTo>
-                <a:cubicBezTo>
-                  <a:pt x="1463082" y="3046089"/>
-                  <a:pt x="1212738" y="3019214"/>
-                  <a:pt x="1031204" y="3026195"/>
-                </a:cubicBezTo>
-                <a:cubicBezTo>
-                  <a:pt x="849670" y="3033176"/>
-                  <a:pt x="294969" y="2975535"/>
-                  <a:pt x="0" y="3026195"/>
-                </a:cubicBezTo>
-                <a:cubicBezTo>
-                  <a:pt x="11999" y="2845541"/>
-                  <a:pt x="20615" y="2740061"/>
-                  <a:pt x="0" y="2481480"/>
-                </a:cubicBezTo>
-                <a:cubicBezTo>
-                  <a:pt x="-20615" y="2222899"/>
-                  <a:pt x="-19207" y="2177912"/>
-                  <a:pt x="0" y="1876241"/>
-                </a:cubicBezTo>
-                <a:cubicBezTo>
-                  <a:pt x="19207" y="1574570"/>
-                  <a:pt x="13940" y="1477927"/>
-                  <a:pt x="0" y="1271002"/>
-                </a:cubicBezTo>
-                <a:cubicBezTo>
-                  <a:pt x="-13940" y="1064077"/>
-                  <a:pt x="8784" y="905076"/>
-                  <a:pt x="0" y="756549"/>
-                </a:cubicBezTo>
-                <a:cubicBezTo>
-                  <a:pt x="-8784" y="608022"/>
-                  <a:pt x="-31052" y="269124"/>
-                  <a:pt x="0" y="0"/>
-                </a:cubicBezTo>
-                <a:close/>
-              </a:path>
-              <a:path extrusionOk="0" h="3026195" w="6874691">
-                <a:moveTo>
-                  <a:pt x="0" y="0"/>
-                </a:moveTo>
-                <a:cubicBezTo>
-                  <a:pt x="150882" y="30799"/>
-                  <a:pt x="441136" y="27006"/>
-                  <a:pt x="618722" y="0"/>
-                </a:cubicBezTo>
-                <a:cubicBezTo>
-                  <a:pt x="796308" y="-27006"/>
-                  <a:pt x="902261" y="-4698"/>
-                  <a:pt x="1099951" y="0"/>
-                </a:cubicBezTo>
-                <a:cubicBezTo>
-                  <a:pt x="1297641" y="4698"/>
-                  <a:pt x="1752146" y="35550"/>
-                  <a:pt x="1924913" y="0"/>
-                </a:cubicBezTo>
-                <a:cubicBezTo>
-                  <a:pt x="2097680" y="-35550"/>
-                  <a:pt x="2348437" y="16841"/>
-                  <a:pt x="2543636" y="0"/>
-                </a:cubicBezTo>
-                <a:cubicBezTo>
-                  <a:pt x="2738835" y="-16841"/>
-                  <a:pt x="2962482" y="14114"/>
-                  <a:pt x="3162358" y="0"/>
-                </a:cubicBezTo>
-                <a:cubicBezTo>
-                  <a:pt x="3362234" y="-14114"/>
-                  <a:pt x="3742535" y="-32255"/>
-                  <a:pt x="3987321" y="0"/>
-                </a:cubicBezTo>
-                <a:cubicBezTo>
-                  <a:pt x="4232107" y="32255"/>
-                  <a:pt x="4287278" y="9398"/>
-                  <a:pt x="4537296" y="0"/>
-                </a:cubicBezTo>
-                <a:cubicBezTo>
-                  <a:pt x="4787315" y="-9398"/>
-                  <a:pt x="5071012" y="31152"/>
-                  <a:pt x="5362259" y="0"/>
-                </a:cubicBezTo>
-                <a:cubicBezTo>
-                  <a:pt x="5653506" y="-31152"/>
-                  <a:pt x="5911467" y="-36109"/>
-                  <a:pt x="6187222" y="0"/>
-                </a:cubicBezTo>
-                <a:cubicBezTo>
-                  <a:pt x="6462977" y="36109"/>
-                  <a:pt x="6537635" y="25842"/>
-                  <a:pt x="6874691" y="0"/>
-                </a:cubicBezTo>
-                <a:cubicBezTo>
-                  <a:pt x="6844277" y="174172"/>
-                  <a:pt x="6891113" y="452251"/>
-                  <a:pt x="6874691" y="665763"/>
-                </a:cubicBezTo>
-                <a:cubicBezTo>
-                  <a:pt x="6858269" y="879275"/>
-                  <a:pt x="6887600" y="997518"/>
-                  <a:pt x="6874691" y="1301264"/>
-                </a:cubicBezTo>
-                <a:cubicBezTo>
-                  <a:pt x="6861782" y="1605010"/>
-                  <a:pt x="6897867" y="1654486"/>
-                  <a:pt x="6874691" y="1815717"/>
-                </a:cubicBezTo>
-                <a:cubicBezTo>
-                  <a:pt x="6851515" y="1976948"/>
-                  <a:pt x="6874368" y="2213283"/>
-                  <a:pt x="6874691" y="2420956"/>
-                </a:cubicBezTo>
-                <a:cubicBezTo>
-                  <a:pt x="6875014" y="2628629"/>
-                  <a:pt x="6862200" y="2746065"/>
-                  <a:pt x="6874691" y="3026195"/>
-                </a:cubicBezTo>
-                <a:cubicBezTo>
-                  <a:pt x="6610041" y="3026710"/>
-                  <a:pt x="6456695" y="2998879"/>
-                  <a:pt x="6187222" y="3026195"/>
-                </a:cubicBezTo>
-                <a:cubicBezTo>
-                  <a:pt x="5917749" y="3053511"/>
-                  <a:pt x="5564705" y="3008355"/>
-                  <a:pt x="5362259" y="3026195"/>
-                </a:cubicBezTo>
-                <a:cubicBezTo>
-                  <a:pt x="5159813" y="3044035"/>
-                  <a:pt x="4909351" y="3045770"/>
-                  <a:pt x="4674790" y="3026195"/>
-                </a:cubicBezTo>
-                <a:cubicBezTo>
-                  <a:pt x="4440229" y="3006620"/>
-                  <a:pt x="4432060" y="3026845"/>
-                  <a:pt x="4193562" y="3026195"/>
-                </a:cubicBezTo>
-                <a:cubicBezTo>
-                  <a:pt x="3955064" y="3025545"/>
-                  <a:pt x="3916837" y="3008790"/>
-                  <a:pt x="3643586" y="3026195"/>
-                </a:cubicBezTo>
-                <a:cubicBezTo>
-                  <a:pt x="3370335" y="3043600"/>
-                  <a:pt x="3163854" y="2990237"/>
-                  <a:pt x="2818623" y="3026195"/>
-                </a:cubicBezTo>
-                <a:cubicBezTo>
-                  <a:pt x="2473392" y="3062153"/>
-                  <a:pt x="2424038" y="3026108"/>
-                  <a:pt x="2131154" y="3026195"/>
-                </a:cubicBezTo>
-                <a:cubicBezTo>
-                  <a:pt x="1838270" y="3026282"/>
-                  <a:pt x="1708853" y="3021913"/>
-                  <a:pt x="1581179" y="3026195"/>
-                </a:cubicBezTo>
-                <a:cubicBezTo>
-                  <a:pt x="1453506" y="3030477"/>
-                  <a:pt x="1217329" y="3027980"/>
-                  <a:pt x="893710" y="3026195"/>
-                </a:cubicBezTo>
-                <a:cubicBezTo>
-                  <a:pt x="570091" y="3024410"/>
-                  <a:pt x="252082" y="3023879"/>
-                  <a:pt x="0" y="3026195"/>
-                </a:cubicBezTo>
-                <a:cubicBezTo>
-                  <a:pt x="4151" y="2893627"/>
-                  <a:pt x="-23714" y="2637408"/>
-                  <a:pt x="0" y="2511742"/>
-                </a:cubicBezTo>
-                <a:cubicBezTo>
-                  <a:pt x="23714" y="2386076"/>
-                  <a:pt x="21006" y="2084481"/>
-                  <a:pt x="0" y="1876241"/>
-                </a:cubicBezTo>
-                <a:cubicBezTo>
-                  <a:pt x="-21006" y="1668001"/>
-                  <a:pt x="-12112" y="1518472"/>
-                  <a:pt x="0" y="1331526"/>
-                </a:cubicBezTo>
-                <a:cubicBezTo>
-                  <a:pt x="12112" y="1144580"/>
-                  <a:pt x="16744" y="962848"/>
-                  <a:pt x="0" y="665763"/>
-                </a:cubicBezTo>
-                <a:cubicBezTo>
-                  <a:pt x="-16744" y="368678"/>
-                  <a:pt x="24127" y="207996"/>
-                  <a:pt x="0" y="0"/>
-                </a:cubicBezTo>
-                <a:close/>
-              </a:path>
-            </a:pathLst>
-          </a:custGeom>
-          <a:noFill/>
-          <a:ln cap="flat" cmpd="sng" w="9525">
-            <a:solidFill>
-              <a:schemeClr val="accent1"/>
-            </a:solidFill>
-            <a:prstDash val="solid"/>
-            <a:round/>
-            <a:headEnd len="sm" w="sm" type="none"/>
-            <a:tailEnd len="sm" w="sm" type="none"/>
-          </a:ln>
-        </p:spPr>
-        <p:txBody>
-          <a:bodyPr anchorCtr="0" anchor="t" bIns="45700" lIns="91425" spcFirstLastPara="1" rIns="91425" wrap="square" tIns="45700">
-            <a:noAutofit/>
-          </a:bodyPr>
-          <a:lstStyle/>
-          <a:p>
-            <a:pPr indent="0" lvl="0" marL="0" marR="0" rtl="0" algn="l">
-              <a:lnSpc>
-                <a:spcPct val="90000"/>
-              </a:lnSpc>
-              <a:spcBef>
-                <a:spcPts val="1000"/>
-              </a:spcBef>
-              <a:spcAft>
-                <a:spcPts val="0"/>
-              </a:spcAft>
-              <a:buClr>
-                <a:schemeClr val="dk1"/>
-              </a:buClr>
-              <a:buSzPts val="1400"/>
-              <a:buFont typeface="Arial"/>
-              <a:buNone/>
-            </a:pPr>
-            <a:r>
-              <a:rPr b="0" i="0" lang="zh-TW" sz="2200" u="none" cap="none" strike="noStrike">
-                <a:solidFill>
-                  <a:srgbClr val="000000"/>
-                </a:solidFill>
-                <a:latin typeface="Arial"/>
-                <a:ea typeface="Arial"/>
-                <a:cs typeface="Arial"/>
-                <a:sym typeface="Arial"/>
-              </a:rPr>
-              <a:t>Disaster Recovery</a:t>
-            </a:r>
-            <a:endParaRPr b="0" i="0" sz="2200" u="none" cap="none" strike="noStrike">
-              <a:solidFill>
-                <a:srgbClr val="000000"/>
-              </a:solidFill>
-              <a:latin typeface="Arial"/>
-              <a:ea typeface="Arial"/>
-              <a:cs typeface="Arial"/>
-              <a:sym typeface="Arial"/>
-            </a:endParaRPr>
-          </a:p>
-        </p:txBody>
-      </p:sp>
-      <p:sp>
-        <p:nvSpPr>
-          <p:cNvPr id="129" name="Google Shape;129;g226b0e0c915_0_0"/>
-          <p:cNvSpPr/>
-          <p:nvPr/>
-        </p:nvSpPr>
-        <p:spPr>
-          <a:xfrm>
             <a:off x="1230850" y="5795350"/>
             <a:ext cx="9391425" cy="602700"/>
           </a:xfrm>
@@ -18265,6 +17811,511 @@
           </a:p>
         </p:txBody>
       </p:sp>
+      <p:sp>
+        <p:nvSpPr>
+          <p:cNvPr id="128" name="Google Shape;128;g226b0e0c915_0_0"/>
+          <p:cNvSpPr/>
+          <p:nvPr/>
+        </p:nvSpPr>
+        <p:spPr>
+          <a:xfrm>
+            <a:off x="3123601" y="4265538"/>
+            <a:ext cx="4860648" cy="484920"/>
+          </a:xfrm>
+          <a:prstGeom prst="cloud">
+            <a:avLst/>
+          </a:prstGeom>
+          <a:solidFill>
+            <a:srgbClr val="CCFFFF"/>
+          </a:solidFill>
+          <a:ln cap="flat" cmpd="sng" w="9525">
+            <a:solidFill>
+              <a:schemeClr val="dk2"/>
+            </a:solidFill>
+            <a:prstDash val="solid"/>
+            <a:round/>
+            <a:headEnd len="sm" w="sm" type="none"/>
+            <a:tailEnd len="sm" w="sm" type="none"/>
+          </a:ln>
+        </p:spPr>
+        <p:txBody>
+          <a:bodyPr anchorCtr="0" anchor="ctr" bIns="91425" lIns="91425" spcFirstLastPara="1" rIns="91425" wrap="square" tIns="91425">
+            <a:noAutofit/>
+          </a:bodyPr>
+          <a:lstStyle/>
+          <a:p>
+            <a:pPr indent="0" lvl="0" marL="0" marR="0" rtl="0" algn="l">
+              <a:lnSpc>
+                <a:spcPct val="100000"/>
+              </a:lnSpc>
+              <a:spcBef>
+                <a:spcPts val="0"/>
+              </a:spcBef>
+              <a:spcAft>
+                <a:spcPts val="0"/>
+              </a:spcAft>
+              <a:buClr>
+                <a:srgbClr val="000000"/>
+              </a:buClr>
+              <a:buSzPts val="1800"/>
+              <a:buFont typeface="Arial"/>
+              <a:buNone/>
+            </a:pPr>
+            <a:r>
+              <a:rPr b="0" i="0" lang="zh-TW" sz="1800" u="none" cap="none" strike="noStrike">
+                <a:solidFill>
+                  <a:srgbClr val="000000"/>
+                </a:solidFill>
+                <a:latin typeface="Arial"/>
+                <a:ea typeface="Arial"/>
+                <a:cs typeface="Arial"/>
+                <a:sym typeface="Arial"/>
+              </a:rPr>
+              <a:t>                      WAN</a:t>
+            </a:r>
+            <a:endParaRPr b="0" i="0" sz="1800" u="none" cap="none" strike="noStrike">
+              <a:solidFill>
+                <a:srgbClr val="000000"/>
+              </a:solidFill>
+              <a:latin typeface="Arial"/>
+              <a:ea typeface="Arial"/>
+              <a:cs typeface="Arial"/>
+              <a:sym typeface="Arial"/>
+            </a:endParaRPr>
+          </a:p>
+        </p:txBody>
+      </p:sp>
+      <p:sp>
+        <p:nvSpPr>
+          <p:cNvPr id="129" name="Google Shape;129;g226b0e0c915_0_0"/>
+          <p:cNvSpPr/>
+          <p:nvPr/>
+        </p:nvSpPr>
+        <p:spPr>
+          <a:xfrm>
+            <a:off x="660150" y="5357305"/>
+            <a:ext cx="10569837" cy="1149954"/>
+          </a:xfrm>
+          <a:custGeom>
+            <a:rect b="b" l="l" r="r" t="t"/>
+            <a:pathLst>
+              <a:path extrusionOk="0" fill="none" h="3026195" w="6874691">
+                <a:moveTo>
+                  <a:pt x="0" y="0"/>
+                </a:moveTo>
+                <a:cubicBezTo>
+                  <a:pt x="162580" y="-9497"/>
+                  <a:pt x="284513" y="-18322"/>
+                  <a:pt x="481228" y="0"/>
+                </a:cubicBezTo>
+                <a:cubicBezTo>
+                  <a:pt x="677943" y="18322"/>
+                  <a:pt x="889505" y="36373"/>
+                  <a:pt x="1237444" y="0"/>
+                </a:cubicBezTo>
+                <a:cubicBezTo>
+                  <a:pt x="1585383" y="-36373"/>
+                  <a:pt x="1731035" y="-24294"/>
+                  <a:pt x="1856167" y="0"/>
+                </a:cubicBezTo>
+                <a:cubicBezTo>
+                  <a:pt x="1981299" y="24294"/>
+                  <a:pt x="2365043" y="-32617"/>
+                  <a:pt x="2543636" y="0"/>
+                </a:cubicBezTo>
+                <a:cubicBezTo>
+                  <a:pt x="2722229" y="32617"/>
+                  <a:pt x="3065908" y="-4352"/>
+                  <a:pt x="3368599" y="0"/>
+                </a:cubicBezTo>
+                <a:cubicBezTo>
+                  <a:pt x="3671290" y="4352"/>
+                  <a:pt x="3806436" y="14720"/>
+                  <a:pt x="3918574" y="0"/>
+                </a:cubicBezTo>
+                <a:cubicBezTo>
+                  <a:pt x="4030712" y="-14720"/>
+                  <a:pt x="4485513" y="-8700"/>
+                  <a:pt x="4674790" y="0"/>
+                </a:cubicBezTo>
+                <a:cubicBezTo>
+                  <a:pt x="4864067" y="8700"/>
+                  <a:pt x="5046179" y="-16117"/>
+                  <a:pt x="5224765" y="0"/>
+                </a:cubicBezTo>
+                <a:cubicBezTo>
+                  <a:pt x="5403351" y="16117"/>
+                  <a:pt x="5719588" y="-22718"/>
+                  <a:pt x="5912234" y="0"/>
+                </a:cubicBezTo>
+                <a:cubicBezTo>
+                  <a:pt x="6104880" y="22718"/>
+                  <a:pt x="6429084" y="-40950"/>
+                  <a:pt x="6874691" y="0"/>
+                </a:cubicBezTo>
+                <a:cubicBezTo>
+                  <a:pt x="6849581" y="106936"/>
+                  <a:pt x="6862071" y="324289"/>
+                  <a:pt x="6874691" y="514453"/>
+                </a:cubicBezTo>
+                <a:cubicBezTo>
+                  <a:pt x="6887311" y="704617"/>
+                  <a:pt x="6865279" y="897983"/>
+                  <a:pt x="6874691" y="1180216"/>
+                </a:cubicBezTo>
+                <a:cubicBezTo>
+                  <a:pt x="6884103" y="1462449"/>
+                  <a:pt x="6871877" y="1521996"/>
+                  <a:pt x="6874691" y="1785455"/>
+                </a:cubicBezTo>
+                <a:cubicBezTo>
+                  <a:pt x="6877505" y="2048914"/>
+                  <a:pt x="6881512" y="2281336"/>
+                  <a:pt x="6874691" y="2451218"/>
+                </a:cubicBezTo>
+                <a:cubicBezTo>
+                  <a:pt x="6867870" y="2621100"/>
+                  <a:pt x="6878689" y="2884255"/>
+                  <a:pt x="6874691" y="3026195"/>
+                </a:cubicBezTo>
+                <a:cubicBezTo>
+                  <a:pt x="6587984" y="3023782"/>
+                  <a:pt x="6392482" y="3033469"/>
+                  <a:pt x="6255969" y="3026195"/>
+                </a:cubicBezTo>
+                <a:cubicBezTo>
+                  <a:pt x="6119456" y="3018921"/>
+                  <a:pt x="5810020" y="3044013"/>
+                  <a:pt x="5637247" y="3026195"/>
+                </a:cubicBezTo>
+                <a:cubicBezTo>
+                  <a:pt x="5464474" y="3008377"/>
+                  <a:pt x="5060107" y="3016924"/>
+                  <a:pt x="4881031" y="3026195"/>
+                </a:cubicBezTo>
+                <a:cubicBezTo>
+                  <a:pt x="4701955" y="3035466"/>
+                  <a:pt x="4453726" y="2994297"/>
+                  <a:pt x="4193562" y="3026195"/>
+                </a:cubicBezTo>
+                <a:cubicBezTo>
+                  <a:pt x="3933398" y="3058093"/>
+                  <a:pt x="3595392" y="3052047"/>
+                  <a:pt x="3368599" y="3026195"/>
+                </a:cubicBezTo>
+                <a:cubicBezTo>
+                  <a:pt x="3141806" y="3000343"/>
+                  <a:pt x="2858684" y="3030722"/>
+                  <a:pt x="2543636" y="3026195"/>
+                </a:cubicBezTo>
+                <a:cubicBezTo>
+                  <a:pt x="2228588" y="3021668"/>
+                  <a:pt x="2111758" y="3006301"/>
+                  <a:pt x="1787420" y="3026195"/>
+                </a:cubicBezTo>
+                <a:cubicBezTo>
+                  <a:pt x="1463082" y="3046089"/>
+                  <a:pt x="1212738" y="3019214"/>
+                  <a:pt x="1031204" y="3026195"/>
+                </a:cubicBezTo>
+                <a:cubicBezTo>
+                  <a:pt x="849670" y="3033176"/>
+                  <a:pt x="294969" y="2975535"/>
+                  <a:pt x="0" y="3026195"/>
+                </a:cubicBezTo>
+                <a:cubicBezTo>
+                  <a:pt x="11999" y="2845541"/>
+                  <a:pt x="20615" y="2740061"/>
+                  <a:pt x="0" y="2481480"/>
+                </a:cubicBezTo>
+                <a:cubicBezTo>
+                  <a:pt x="-20615" y="2222899"/>
+                  <a:pt x="-19207" y="2177912"/>
+                  <a:pt x="0" y="1876241"/>
+                </a:cubicBezTo>
+                <a:cubicBezTo>
+                  <a:pt x="19207" y="1574570"/>
+                  <a:pt x="13940" y="1477927"/>
+                  <a:pt x="0" y="1271002"/>
+                </a:cubicBezTo>
+                <a:cubicBezTo>
+                  <a:pt x="-13940" y="1064077"/>
+                  <a:pt x="8784" y="905076"/>
+                  <a:pt x="0" y="756549"/>
+                </a:cubicBezTo>
+                <a:cubicBezTo>
+                  <a:pt x="-8784" y="608022"/>
+                  <a:pt x="-31052" y="269124"/>
+                  <a:pt x="0" y="0"/>
+                </a:cubicBezTo>
+                <a:close/>
+              </a:path>
+              <a:path extrusionOk="0" h="3026195" w="6874691">
+                <a:moveTo>
+                  <a:pt x="0" y="0"/>
+                </a:moveTo>
+                <a:cubicBezTo>
+                  <a:pt x="150882" y="30799"/>
+                  <a:pt x="441136" y="27006"/>
+                  <a:pt x="618722" y="0"/>
+                </a:cubicBezTo>
+                <a:cubicBezTo>
+                  <a:pt x="796308" y="-27006"/>
+                  <a:pt x="902261" y="-4698"/>
+                  <a:pt x="1099951" y="0"/>
+                </a:cubicBezTo>
+                <a:cubicBezTo>
+                  <a:pt x="1297641" y="4698"/>
+                  <a:pt x="1752146" y="35550"/>
+                  <a:pt x="1924913" y="0"/>
+                </a:cubicBezTo>
+                <a:cubicBezTo>
+                  <a:pt x="2097680" y="-35550"/>
+                  <a:pt x="2348437" y="16841"/>
+                  <a:pt x="2543636" y="0"/>
+                </a:cubicBezTo>
+                <a:cubicBezTo>
+                  <a:pt x="2738835" y="-16841"/>
+                  <a:pt x="2962482" y="14114"/>
+                  <a:pt x="3162358" y="0"/>
+                </a:cubicBezTo>
+                <a:cubicBezTo>
+                  <a:pt x="3362234" y="-14114"/>
+                  <a:pt x="3742535" y="-32255"/>
+                  <a:pt x="3987321" y="0"/>
+                </a:cubicBezTo>
+                <a:cubicBezTo>
+                  <a:pt x="4232107" y="32255"/>
+                  <a:pt x="4287278" y="9398"/>
+                  <a:pt x="4537296" y="0"/>
+                </a:cubicBezTo>
+                <a:cubicBezTo>
+                  <a:pt x="4787315" y="-9398"/>
+                  <a:pt x="5071012" y="31152"/>
+                  <a:pt x="5362259" y="0"/>
+                </a:cubicBezTo>
+                <a:cubicBezTo>
+                  <a:pt x="5653506" y="-31152"/>
+                  <a:pt x="5911467" y="-36109"/>
+                  <a:pt x="6187222" y="0"/>
+                </a:cubicBezTo>
+                <a:cubicBezTo>
+                  <a:pt x="6462977" y="36109"/>
+                  <a:pt x="6537635" y="25842"/>
+                  <a:pt x="6874691" y="0"/>
+                </a:cubicBezTo>
+                <a:cubicBezTo>
+                  <a:pt x="6844277" y="174172"/>
+                  <a:pt x="6891113" y="452251"/>
+                  <a:pt x="6874691" y="665763"/>
+                </a:cubicBezTo>
+                <a:cubicBezTo>
+                  <a:pt x="6858269" y="879275"/>
+                  <a:pt x="6887600" y="997518"/>
+                  <a:pt x="6874691" y="1301264"/>
+                </a:cubicBezTo>
+                <a:cubicBezTo>
+                  <a:pt x="6861782" y="1605010"/>
+                  <a:pt x="6897867" y="1654486"/>
+                  <a:pt x="6874691" y="1815717"/>
+                </a:cubicBezTo>
+                <a:cubicBezTo>
+                  <a:pt x="6851515" y="1976948"/>
+                  <a:pt x="6874368" y="2213283"/>
+                  <a:pt x="6874691" y="2420956"/>
+                </a:cubicBezTo>
+                <a:cubicBezTo>
+                  <a:pt x="6875014" y="2628629"/>
+                  <a:pt x="6862200" y="2746065"/>
+                  <a:pt x="6874691" y="3026195"/>
+                </a:cubicBezTo>
+                <a:cubicBezTo>
+                  <a:pt x="6610041" y="3026710"/>
+                  <a:pt x="6456695" y="2998879"/>
+                  <a:pt x="6187222" y="3026195"/>
+                </a:cubicBezTo>
+                <a:cubicBezTo>
+                  <a:pt x="5917749" y="3053511"/>
+                  <a:pt x="5564705" y="3008355"/>
+                  <a:pt x="5362259" y="3026195"/>
+                </a:cubicBezTo>
+                <a:cubicBezTo>
+                  <a:pt x="5159813" y="3044035"/>
+                  <a:pt x="4909351" y="3045770"/>
+                  <a:pt x="4674790" y="3026195"/>
+                </a:cubicBezTo>
+                <a:cubicBezTo>
+                  <a:pt x="4440229" y="3006620"/>
+                  <a:pt x="4432060" y="3026845"/>
+                  <a:pt x="4193562" y="3026195"/>
+                </a:cubicBezTo>
+                <a:cubicBezTo>
+                  <a:pt x="3955064" y="3025545"/>
+                  <a:pt x="3916837" y="3008790"/>
+                  <a:pt x="3643586" y="3026195"/>
+                </a:cubicBezTo>
+                <a:cubicBezTo>
+                  <a:pt x="3370335" y="3043600"/>
+                  <a:pt x="3163854" y="2990237"/>
+                  <a:pt x="2818623" y="3026195"/>
+                </a:cubicBezTo>
+                <a:cubicBezTo>
+                  <a:pt x="2473392" y="3062153"/>
+                  <a:pt x="2424038" y="3026108"/>
+                  <a:pt x="2131154" y="3026195"/>
+                </a:cubicBezTo>
+                <a:cubicBezTo>
+                  <a:pt x="1838270" y="3026282"/>
+                  <a:pt x="1708853" y="3021913"/>
+                  <a:pt x="1581179" y="3026195"/>
+                </a:cubicBezTo>
+                <a:cubicBezTo>
+                  <a:pt x="1453506" y="3030477"/>
+                  <a:pt x="1217329" y="3027980"/>
+                  <a:pt x="893710" y="3026195"/>
+                </a:cubicBezTo>
+                <a:cubicBezTo>
+                  <a:pt x="570091" y="3024410"/>
+                  <a:pt x="252082" y="3023879"/>
+                  <a:pt x="0" y="3026195"/>
+                </a:cubicBezTo>
+                <a:cubicBezTo>
+                  <a:pt x="4151" y="2893627"/>
+                  <a:pt x="-23714" y="2637408"/>
+                  <a:pt x="0" y="2511742"/>
+                </a:cubicBezTo>
+                <a:cubicBezTo>
+                  <a:pt x="23714" y="2386076"/>
+                  <a:pt x="21006" y="2084481"/>
+                  <a:pt x="0" y="1876241"/>
+                </a:cubicBezTo>
+                <a:cubicBezTo>
+                  <a:pt x="-21006" y="1668001"/>
+                  <a:pt x="-12112" y="1518472"/>
+                  <a:pt x="0" y="1331526"/>
+                </a:cubicBezTo>
+                <a:cubicBezTo>
+                  <a:pt x="12112" y="1144580"/>
+                  <a:pt x="16744" y="962848"/>
+                  <a:pt x="0" y="665763"/>
+                </a:cubicBezTo>
+                <a:cubicBezTo>
+                  <a:pt x="-16744" y="368678"/>
+                  <a:pt x="24127" y="207996"/>
+                  <a:pt x="0" y="0"/>
+                </a:cubicBezTo>
+                <a:close/>
+              </a:path>
+            </a:pathLst>
+          </a:custGeom>
+          <a:noFill/>
+          <a:ln cap="flat" cmpd="sng" w="9525">
+            <a:solidFill>
+              <a:schemeClr val="accent1"/>
+            </a:solidFill>
+            <a:prstDash val="solid"/>
+            <a:round/>
+            <a:headEnd len="sm" w="sm" type="none"/>
+            <a:tailEnd len="sm" w="sm" type="none"/>
+          </a:ln>
+          <a:effectLst>
+            <a:outerShdw blurRad="57150" rotWithShape="0" algn="bl" dir="5400000" dist="19050">
+              <a:srgbClr val="FF9900">
+                <a:alpha val="50000"/>
+              </a:srgbClr>
+            </a:outerShdw>
+            <a:reflection blurRad="0" dir="5400000" dist="38100" endA="0" endPos="30000" fadeDir="5400012" kx="0" rotWithShape="0" algn="bl" stPos="0" sy="-100000" ky="0"/>
+          </a:effectLst>
+        </p:spPr>
+        <p:txBody>
+          <a:bodyPr anchorCtr="0" anchor="t" bIns="45700" lIns="91425" spcFirstLastPara="1" rIns="91425" wrap="square" tIns="45700">
+            <a:noAutofit/>
+          </a:bodyPr>
+          <a:lstStyle/>
+          <a:p>
+            <a:pPr indent="0" lvl="0" marL="0" marR="0" rtl="0" algn="l">
+              <a:lnSpc>
+                <a:spcPct val="90000"/>
+              </a:lnSpc>
+              <a:spcBef>
+                <a:spcPts val="1000"/>
+              </a:spcBef>
+              <a:spcAft>
+                <a:spcPts val="0"/>
+              </a:spcAft>
+              <a:buClr>
+                <a:schemeClr val="dk1"/>
+              </a:buClr>
+              <a:buSzPts val="1400"/>
+              <a:buFont typeface="Arial"/>
+              <a:buNone/>
+            </a:pPr>
+            <a:r>
+              <a:rPr b="0" i="0" lang="zh-TW" sz="2200" u="none" cap="none" strike="noStrike">
+                <a:solidFill>
+                  <a:srgbClr val="000000"/>
+                </a:solidFill>
+                <a:latin typeface="Arial"/>
+                <a:ea typeface="Arial"/>
+                <a:cs typeface="Arial"/>
+                <a:sym typeface="Arial"/>
+              </a:rPr>
+              <a:t>Disaster Recovery</a:t>
+            </a:r>
+            <a:endParaRPr b="0" i="0" sz="2200" u="none" cap="none" strike="noStrike">
+              <a:solidFill>
+                <a:srgbClr val="000000"/>
+              </a:solidFill>
+              <a:latin typeface="Arial"/>
+              <a:ea typeface="Arial"/>
+              <a:cs typeface="Arial"/>
+              <a:sym typeface="Arial"/>
+            </a:endParaRPr>
+          </a:p>
+        </p:txBody>
+      </p:sp>
+      <p:sp>
+        <p:nvSpPr>
+          <p:cNvPr id="130" name="Google Shape;130;g226b0e0c915_0_0"/>
+          <p:cNvSpPr txBox="1"/>
+          <p:nvPr/>
+        </p:nvSpPr>
+        <p:spPr>
+          <a:xfrm>
+            <a:off x="660150" y="1323213"/>
+            <a:ext cx="5486400" cy="400200"/>
+          </a:xfrm>
+          <a:prstGeom prst="rect">
+            <a:avLst/>
+          </a:prstGeom>
+          <a:noFill/>
+          <a:ln>
+            <a:noFill/>
+          </a:ln>
+        </p:spPr>
+        <p:txBody>
+          <a:bodyPr anchorCtr="0" anchor="t" bIns="91425" lIns="91425" spcFirstLastPara="1" rIns="91425" wrap="square" tIns="91425">
+            <a:spAutoFit/>
+          </a:bodyPr>
+          <a:lstStyle/>
+          <a:p>
+            <a:pPr indent="0" lvl="0" marL="0" rtl="0" algn="l">
+              <a:spcBef>
+                <a:spcPts val="0"/>
+              </a:spcBef>
+              <a:spcAft>
+                <a:spcPts val="0"/>
+              </a:spcAft>
+              <a:buNone/>
+            </a:pPr>
+            <a:r>
+              <a:rPr lang="zh-TW"/>
+              <a:t>Note: 預計於2024/Q4 支援ODS with CDB</a:t>
+            </a:r>
+            <a:endParaRPr/>
+          </a:p>
+        </p:txBody>
+      </p:sp>
     </p:spTree>
   </p:cSld>
   <p:clrMapOvr>
@@ -18278,7 +18329,7 @@
   <p:cSld>
     <p:spTree>
       <p:nvGrpSpPr>
-        <p:cNvPr id="134" name="Shape 134"/>
+        <p:cNvPr id="135" name="Shape 135"/>
         <p:cNvGrpSpPr/>
         <p:nvPr/>
       </p:nvGrpSpPr>
@@ -18292,7 +18343,7 @@
       </p:grpSpPr>
       <p:sp>
         <p:nvSpPr>
-          <p:cNvPr id="135" name="Google Shape;135;g226b0e0c915_0_57"/>
+          <p:cNvPr id="136" name="Google Shape;136;g226b0e0c915_0_57"/>
           <p:cNvSpPr/>
           <p:nvPr/>
         </p:nvSpPr>
@@ -18357,7 +18408,7 @@
       </p:sp>
       <p:sp>
         <p:nvSpPr>
-          <p:cNvPr id="136" name="Google Shape;136;g226b0e0c915_0_57"/>
+          <p:cNvPr id="137" name="Google Shape;137;g226b0e0c915_0_57"/>
           <p:cNvSpPr/>
           <p:nvPr/>
         </p:nvSpPr>
@@ -18422,7 +18473,7 @@
       </p:sp>
       <p:sp>
         <p:nvSpPr>
-          <p:cNvPr id="137" name="Google Shape;137;g226b0e0c915_0_57"/>
+          <p:cNvPr id="138" name="Google Shape;138;g226b0e0c915_0_57"/>
           <p:cNvSpPr/>
           <p:nvPr/>
         </p:nvSpPr>
@@ -18785,9 +18836,10 @@
               <a:buNone/>
             </a:pPr>
             <a:r>
-              <a:t/>
+              <a:rPr lang="zh-TW" sz="1800"/>
+              <a:t>Primary</a:t>
             </a:r>
-            <a:endParaRPr b="0" i="0" sz="1400" u="none" cap="none" strike="noStrike">
+            <a:endParaRPr b="0" i="0" sz="1800" u="none" cap="none" strike="noStrike">
               <a:solidFill>
                 <a:srgbClr val="000000"/>
               </a:solidFill>
@@ -18801,7 +18853,7 @@
       </p:sp>
       <p:sp>
         <p:nvSpPr>
-          <p:cNvPr id="138" name="Google Shape;138;g226b0e0c915_0_57"/>
+          <p:cNvPr id="139" name="Google Shape;139;g226b0e0c915_0_57"/>
           <p:cNvSpPr txBox="1"/>
           <p:nvPr>
             <p:ph type="title"/>
@@ -18849,7 +18901,7 @@
       </p:sp>
       <p:grpSp>
         <p:nvGrpSpPr>
-          <p:cNvPr id="139" name="Google Shape;139;g226b0e0c915_0_57"/>
+          <p:cNvPr id="140" name="Google Shape;140;g226b0e0c915_0_57"/>
           <p:cNvGrpSpPr/>
           <p:nvPr/>
         </p:nvGrpSpPr>
@@ -18863,7 +18915,7 @@
         </p:grpSpPr>
         <p:sp>
           <p:nvSpPr>
-            <p:cNvPr id="140" name="Google Shape;140;g226b0e0c915_0_57"/>
+            <p:cNvPr id="141" name="Google Shape;141;g226b0e0c915_0_57"/>
             <p:cNvSpPr/>
             <p:nvPr/>
           </p:nvSpPr>
@@ -18951,7 +19003,7 @@
         </p:sp>
         <p:sp>
           <p:nvSpPr>
-            <p:cNvPr id="141" name="Google Shape;141;g226b0e0c915_0_57"/>
+            <p:cNvPr id="142" name="Google Shape;142;g226b0e0c915_0_57"/>
             <p:cNvSpPr txBox="1"/>
             <p:nvPr/>
           </p:nvSpPr>
@@ -19030,7 +19082,7 @@
       </p:grpSp>
       <p:grpSp>
         <p:nvGrpSpPr>
-          <p:cNvPr id="142" name="Google Shape;142;g226b0e0c915_0_57"/>
+          <p:cNvPr id="143" name="Google Shape;143;g226b0e0c915_0_57"/>
           <p:cNvGrpSpPr/>
           <p:nvPr/>
         </p:nvGrpSpPr>
@@ -19044,7 +19096,7 @@
         </p:grpSpPr>
         <p:sp>
           <p:nvSpPr>
-            <p:cNvPr id="143" name="Google Shape;143;g226b0e0c915_0_57"/>
+            <p:cNvPr id="144" name="Google Shape;144;g226b0e0c915_0_57"/>
             <p:cNvSpPr/>
             <p:nvPr/>
           </p:nvSpPr>
@@ -19132,7 +19184,7 @@
         </p:sp>
         <p:sp>
           <p:nvSpPr>
-            <p:cNvPr id="144" name="Google Shape;144;g226b0e0c915_0_57"/>
+            <p:cNvPr id="145" name="Google Shape;145;g226b0e0c915_0_57"/>
             <p:cNvSpPr txBox="1"/>
             <p:nvPr/>
           </p:nvSpPr>
@@ -19211,7 +19263,7 @@
       </p:grpSp>
       <p:grpSp>
         <p:nvGrpSpPr>
-          <p:cNvPr id="145" name="Google Shape;145;g226b0e0c915_0_57"/>
+          <p:cNvPr id="146" name="Google Shape;146;g226b0e0c915_0_57"/>
           <p:cNvGrpSpPr/>
           <p:nvPr/>
         </p:nvGrpSpPr>
@@ -19225,7 +19277,7 @@
         </p:grpSpPr>
         <p:sp>
           <p:nvSpPr>
-            <p:cNvPr id="146" name="Google Shape;146;g226b0e0c915_0_57"/>
+            <p:cNvPr id="147" name="Google Shape;147;g226b0e0c915_0_57"/>
             <p:cNvSpPr/>
             <p:nvPr/>
           </p:nvSpPr>
@@ -19313,7 +19365,7 @@
         </p:sp>
         <p:sp>
           <p:nvSpPr>
-            <p:cNvPr id="147" name="Google Shape;147;g226b0e0c915_0_57"/>
+            <p:cNvPr id="148" name="Google Shape;148;g226b0e0c915_0_57"/>
             <p:cNvSpPr txBox="1"/>
             <p:nvPr/>
           </p:nvSpPr>
@@ -19392,7 +19444,7 @@
       </p:grpSp>
       <p:grpSp>
         <p:nvGrpSpPr>
-          <p:cNvPr id="148" name="Google Shape;148;g226b0e0c915_0_57"/>
+          <p:cNvPr id="149" name="Google Shape;149;g226b0e0c915_0_57"/>
           <p:cNvGrpSpPr/>
           <p:nvPr/>
         </p:nvGrpSpPr>
@@ -19406,7 +19458,7 @@
         </p:grpSpPr>
         <p:sp>
           <p:nvSpPr>
-            <p:cNvPr id="149" name="Google Shape;149;g226b0e0c915_0_57"/>
+            <p:cNvPr id="150" name="Google Shape;150;g226b0e0c915_0_57"/>
             <p:cNvSpPr/>
             <p:nvPr/>
           </p:nvSpPr>
@@ -19494,7 +19546,7 @@
         </p:sp>
         <p:sp>
           <p:nvSpPr>
-            <p:cNvPr id="150" name="Google Shape;150;g226b0e0c915_0_57"/>
+            <p:cNvPr id="151" name="Google Shape;151;g226b0e0c915_0_57"/>
             <p:cNvSpPr txBox="1"/>
             <p:nvPr/>
           </p:nvSpPr>
@@ -19573,7 +19625,7 @@
       </p:grpSp>
       <p:grpSp>
         <p:nvGrpSpPr>
-          <p:cNvPr id="151" name="Google Shape;151;g226b0e0c915_0_57"/>
+          <p:cNvPr id="152" name="Google Shape;152;g226b0e0c915_0_57"/>
           <p:cNvGrpSpPr/>
           <p:nvPr/>
         </p:nvGrpSpPr>
@@ -19587,7 +19639,7 @@
         </p:grpSpPr>
         <p:sp>
           <p:nvSpPr>
-            <p:cNvPr id="152" name="Google Shape;152;g226b0e0c915_0_57"/>
+            <p:cNvPr id="153" name="Google Shape;153;g226b0e0c915_0_57"/>
             <p:cNvSpPr/>
             <p:nvPr/>
           </p:nvSpPr>
@@ -19675,7 +19727,7 @@
         </p:sp>
         <p:sp>
           <p:nvSpPr>
-            <p:cNvPr id="153" name="Google Shape;153;g226b0e0c915_0_57"/>
+            <p:cNvPr id="154" name="Google Shape;154;g226b0e0c915_0_57"/>
             <p:cNvSpPr txBox="1"/>
             <p:nvPr/>
           </p:nvSpPr>
@@ -19754,7 +19806,7 @@
       </p:grpSp>
       <p:grpSp>
         <p:nvGrpSpPr>
-          <p:cNvPr id="154" name="Google Shape;154;g226b0e0c915_0_57"/>
+          <p:cNvPr id="155" name="Google Shape;155;g226b0e0c915_0_57"/>
           <p:cNvGrpSpPr/>
           <p:nvPr/>
         </p:nvGrpSpPr>
@@ -19768,7 +19820,7 @@
         </p:grpSpPr>
         <p:sp>
           <p:nvSpPr>
-            <p:cNvPr id="155" name="Google Shape;155;g226b0e0c915_0_57"/>
+            <p:cNvPr id="156" name="Google Shape;156;g226b0e0c915_0_57"/>
             <p:cNvSpPr/>
             <p:nvPr/>
           </p:nvSpPr>
@@ -19856,7 +19908,7 @@
         </p:sp>
         <p:sp>
           <p:nvSpPr>
-            <p:cNvPr id="156" name="Google Shape;156;g226b0e0c915_0_57"/>
+            <p:cNvPr id="157" name="Google Shape;157;g226b0e0c915_0_57"/>
             <p:cNvSpPr txBox="1"/>
             <p:nvPr/>
           </p:nvSpPr>
@@ -19935,7 +19987,7 @@
       </p:grpSp>
       <p:grpSp>
         <p:nvGrpSpPr>
-          <p:cNvPr id="157" name="Google Shape;157;g226b0e0c915_0_57"/>
+          <p:cNvPr id="158" name="Google Shape;158;g226b0e0c915_0_57"/>
           <p:cNvGrpSpPr/>
           <p:nvPr/>
         </p:nvGrpSpPr>
@@ -19949,7 +20001,7 @@
         </p:grpSpPr>
         <p:sp>
           <p:nvSpPr>
-            <p:cNvPr id="158" name="Google Shape;158;g226b0e0c915_0_57"/>
+            <p:cNvPr id="159" name="Google Shape;159;g226b0e0c915_0_57"/>
             <p:cNvSpPr/>
             <p:nvPr/>
           </p:nvSpPr>
@@ -20037,7 +20089,7 @@
         </p:sp>
         <p:sp>
           <p:nvSpPr>
-            <p:cNvPr id="159" name="Google Shape;159;g226b0e0c915_0_57"/>
+            <p:cNvPr id="160" name="Google Shape;160;g226b0e0c915_0_57"/>
             <p:cNvSpPr txBox="1"/>
             <p:nvPr/>
           </p:nvSpPr>
@@ -20116,7 +20168,7 @@
       </p:grpSp>
       <p:grpSp>
         <p:nvGrpSpPr>
-          <p:cNvPr id="160" name="Google Shape;160;g226b0e0c915_0_57"/>
+          <p:cNvPr id="161" name="Google Shape;161;g226b0e0c915_0_57"/>
           <p:cNvGrpSpPr/>
           <p:nvPr/>
         </p:nvGrpSpPr>
@@ -20130,7 +20182,7 @@
         </p:grpSpPr>
         <p:sp>
           <p:nvSpPr>
-            <p:cNvPr id="161" name="Google Shape;161;g226b0e0c915_0_57"/>
+            <p:cNvPr id="162" name="Google Shape;162;g226b0e0c915_0_57"/>
             <p:cNvSpPr/>
             <p:nvPr/>
           </p:nvSpPr>
@@ -20218,7 +20270,7 @@
         </p:sp>
         <p:sp>
           <p:nvSpPr>
-            <p:cNvPr id="162" name="Google Shape;162;g226b0e0c915_0_57"/>
+            <p:cNvPr id="163" name="Google Shape;163;g226b0e0c915_0_57"/>
             <p:cNvSpPr txBox="1"/>
             <p:nvPr/>
           </p:nvSpPr>
@@ -20297,7 +20349,7 @@
       </p:grpSp>
       <p:grpSp>
         <p:nvGrpSpPr>
-          <p:cNvPr id="163" name="Google Shape;163;g226b0e0c915_0_57"/>
+          <p:cNvPr id="164" name="Google Shape;164;g226b0e0c915_0_57"/>
           <p:cNvGrpSpPr/>
           <p:nvPr/>
         </p:nvGrpSpPr>
@@ -20311,7 +20363,7 @@
         </p:grpSpPr>
         <p:sp>
           <p:nvSpPr>
-            <p:cNvPr id="164" name="Google Shape;164;g226b0e0c915_0_57"/>
+            <p:cNvPr id="165" name="Google Shape;165;g226b0e0c915_0_57"/>
             <p:cNvSpPr/>
             <p:nvPr/>
           </p:nvSpPr>
@@ -20399,7 +20451,7 @@
         </p:sp>
         <p:sp>
           <p:nvSpPr>
-            <p:cNvPr id="165" name="Google Shape;165;g226b0e0c915_0_57"/>
+            <p:cNvPr id="166" name="Google Shape;166;g226b0e0c915_0_57"/>
             <p:cNvSpPr txBox="1"/>
             <p:nvPr/>
           </p:nvSpPr>
@@ -20478,14 +20530,14 @@
       </p:grpSp>
       <p:sp>
         <p:nvSpPr>
-          <p:cNvPr id="166" name="Google Shape;166;g226b0e0c915_0_57"/>
+          <p:cNvPr id="167" name="Google Shape;167;g226b0e0c915_0_57"/>
           <p:cNvSpPr/>
           <p:nvPr/>
         </p:nvSpPr>
         <p:spPr>
           <a:xfrm>
-            <a:off x="4502074" y="4252936"/>
-            <a:ext cx="2519532" cy="484920"/>
+            <a:off x="3123601" y="4265538"/>
+            <a:ext cx="4860648" cy="484920"/>
           </a:xfrm>
           <a:prstGeom prst="cloud">
             <a:avLst/>
@@ -20536,7 +20588,7 @@
                 <a:cs typeface="Arial"/>
                 <a:sym typeface="Arial"/>
               </a:rPr>
-              <a:t>         WAN</a:t>
+              <a:t>                      WAN</a:t>
             </a:r>
             <a:endParaRPr b="0" i="0" sz="1800" u="none" cap="none" strike="noStrike">
               <a:solidFill>
@@ -20552,7 +20604,7 @@
       </p:sp>
       <p:sp>
         <p:nvSpPr>
-          <p:cNvPr id="167" name="Google Shape;167;g226b0e0c915_0_57"/>
+          <p:cNvPr id="168" name="Google Shape;168;g226b0e0c915_0_57"/>
           <p:cNvSpPr/>
           <p:nvPr/>
         </p:nvSpPr>
@@ -20883,6 +20935,14 @@
             <a:headEnd len="sm" w="sm" type="none"/>
             <a:tailEnd len="sm" w="sm" type="none"/>
           </a:ln>
+          <a:effectLst>
+            <a:outerShdw blurRad="57150" rotWithShape="0" algn="bl" dir="5400000" dist="19050">
+              <a:srgbClr val="FF9900">
+                <a:alpha val="50000"/>
+              </a:srgbClr>
+            </a:outerShdw>
+            <a:reflection blurRad="0" dir="5400000" dist="38100" endA="0" endPos="30000" fadeDir="5400012" kx="0" rotWithShape="0" algn="bl" stPos="0" sy="-100000" ky="0"/>
+          </a:effectLst>
         </p:spPr>
         <p:txBody>
           <a:bodyPr anchorCtr="0" anchor="t" bIns="45700" lIns="91425" spcFirstLastPara="1" rIns="91425" wrap="square" tIns="45700">
@@ -20933,7 +20993,7 @@
       </p:sp>
       <p:sp>
         <p:nvSpPr>
-          <p:cNvPr id="168" name="Google Shape;168;g226b0e0c915_0_57"/>
+          <p:cNvPr id="169" name="Google Shape;169;g226b0e0c915_0_57"/>
           <p:cNvSpPr/>
           <p:nvPr/>
         </p:nvSpPr>
@@ -20998,7 +21058,7 @@
       </p:sp>
       <p:grpSp>
         <p:nvGrpSpPr>
-          <p:cNvPr id="169" name="Google Shape;169;g226b0e0c915_0_57"/>
+          <p:cNvPr id="170" name="Google Shape;170;g226b0e0c915_0_57"/>
           <p:cNvGrpSpPr/>
           <p:nvPr/>
         </p:nvGrpSpPr>
@@ -21012,7 +21072,7 @@
         </p:grpSpPr>
         <p:sp>
           <p:nvSpPr>
-            <p:cNvPr id="170" name="Google Shape;170;g226b0e0c915_0_57"/>
+            <p:cNvPr id="171" name="Google Shape;171;g226b0e0c915_0_57"/>
             <p:cNvSpPr/>
             <p:nvPr/>
           </p:nvSpPr>
@@ -21100,7 +21160,7 @@
         </p:sp>
         <p:sp>
           <p:nvSpPr>
-            <p:cNvPr id="171" name="Google Shape;171;g226b0e0c915_0_57"/>
+            <p:cNvPr id="172" name="Google Shape;172;g226b0e0c915_0_57"/>
             <p:cNvSpPr txBox="1"/>
             <p:nvPr/>
           </p:nvSpPr>
@@ -21177,6 +21237,48 @@
           </p:txBody>
         </p:sp>
       </p:grpSp>
+      <p:sp>
+        <p:nvSpPr>
+          <p:cNvPr id="173" name="Google Shape;173;g226b0e0c915_0_57"/>
+          <p:cNvSpPr txBox="1"/>
+          <p:nvPr/>
+        </p:nvSpPr>
+        <p:spPr>
+          <a:xfrm>
+            <a:off x="660150" y="1323213"/>
+            <a:ext cx="5486400" cy="400200"/>
+          </a:xfrm>
+          <a:prstGeom prst="rect">
+            <a:avLst/>
+          </a:prstGeom>
+          <a:noFill/>
+          <a:ln>
+            <a:noFill/>
+          </a:ln>
+        </p:spPr>
+        <p:txBody>
+          <a:bodyPr anchorCtr="0" anchor="t" bIns="91425" lIns="91425" spcFirstLastPara="1" rIns="91425" wrap="square" tIns="91425">
+            <a:spAutoFit/>
+          </a:bodyPr>
+          <a:lstStyle/>
+          <a:p>
+            <a:pPr indent="0" lvl="0" marL="0" rtl="0" algn="l">
+              <a:spcBef>
+                <a:spcPts val="0"/>
+              </a:spcBef>
+              <a:spcAft>
+                <a:spcPts val="0"/>
+              </a:spcAft>
+              <a:buNone/>
+            </a:pPr>
+            <a:r>
+              <a:rPr lang="zh-TW"/>
+              <a:t>Note: 預計於2024/Q4 支援ODS with CDB</a:t>
+            </a:r>
+            <a:endParaRPr/>
+          </a:p>
+        </p:txBody>
+      </p:sp>
     </p:spTree>
   </p:cSld>
   <p:clrMapOvr>
